--- a/classes/prog2020/Lab06.pptx
+++ b/classes/prog2020/Lab06.pptx
@@ -303,7 +303,7 @@
             <a:fld id="{1D8BD707-D9CF-40AE-B4C6-C98DA3205C09}" type="datetimeFigureOut">
               <a:rPr lang="en-US" smtClean="0"/>
               <a:pPr/>
-              <a:t>11/3/2020</a:t>
+              <a:t>11/4/2020</a:t>
             </a:fld>
             <a:endParaRPr lang="en-US"/>
           </a:p>
@@ -468,7 +468,7 @@
             <a:fld id="{1D8BD707-D9CF-40AE-B4C6-C98DA3205C09}" type="datetimeFigureOut">
               <a:rPr lang="en-US" smtClean="0"/>
               <a:pPr/>
-              <a:t>11/3/2020</a:t>
+              <a:t>11/4/2020</a:t>
             </a:fld>
             <a:endParaRPr lang="en-US"/>
           </a:p>
@@ -643,7 +643,7 @@
             <a:fld id="{1D8BD707-D9CF-40AE-B4C6-C98DA3205C09}" type="datetimeFigureOut">
               <a:rPr lang="en-US" smtClean="0"/>
               <a:pPr/>
-              <a:t>11/3/2020</a:t>
+              <a:t>11/4/2020</a:t>
             </a:fld>
             <a:endParaRPr lang="en-US"/>
           </a:p>
@@ -808,7 +808,7 @@
             <a:fld id="{1D8BD707-D9CF-40AE-B4C6-C98DA3205C09}" type="datetimeFigureOut">
               <a:rPr lang="en-US" smtClean="0"/>
               <a:pPr/>
-              <a:t>11/3/2020</a:t>
+              <a:t>11/4/2020</a:t>
             </a:fld>
             <a:endParaRPr lang="en-US"/>
           </a:p>
@@ -1050,7 +1050,7 @@
             <a:fld id="{1D8BD707-D9CF-40AE-B4C6-C98DA3205C09}" type="datetimeFigureOut">
               <a:rPr lang="en-US" smtClean="0"/>
               <a:pPr/>
-              <a:t>11/3/2020</a:t>
+              <a:t>11/4/2020</a:t>
             </a:fld>
             <a:endParaRPr lang="en-US"/>
           </a:p>
@@ -1332,7 +1332,7 @@
             <a:fld id="{1D8BD707-D9CF-40AE-B4C6-C98DA3205C09}" type="datetimeFigureOut">
               <a:rPr lang="en-US" smtClean="0"/>
               <a:pPr/>
-              <a:t>11/3/2020</a:t>
+              <a:t>11/4/2020</a:t>
             </a:fld>
             <a:endParaRPr lang="en-US"/>
           </a:p>
@@ -1748,7 +1748,7 @@
             <a:fld id="{1D8BD707-D9CF-40AE-B4C6-C98DA3205C09}" type="datetimeFigureOut">
               <a:rPr lang="en-US" smtClean="0"/>
               <a:pPr/>
-              <a:t>11/3/2020</a:t>
+              <a:t>11/4/2020</a:t>
             </a:fld>
             <a:endParaRPr lang="en-US"/>
           </a:p>
@@ -1862,7 +1862,7 @@
             <a:fld id="{1D8BD707-D9CF-40AE-B4C6-C98DA3205C09}" type="datetimeFigureOut">
               <a:rPr lang="en-US" smtClean="0"/>
               <a:pPr/>
-              <a:t>11/3/2020</a:t>
+              <a:t>11/4/2020</a:t>
             </a:fld>
             <a:endParaRPr lang="en-US"/>
           </a:p>
@@ -1954,7 +1954,7 @@
             <a:fld id="{1D8BD707-D9CF-40AE-B4C6-C98DA3205C09}" type="datetimeFigureOut">
               <a:rPr lang="en-US" smtClean="0"/>
               <a:pPr/>
-              <a:t>11/3/2020</a:t>
+              <a:t>11/4/2020</a:t>
             </a:fld>
             <a:endParaRPr lang="en-US"/>
           </a:p>
@@ -2226,7 +2226,7 @@
             <a:fld id="{1D8BD707-D9CF-40AE-B4C6-C98DA3205C09}" type="datetimeFigureOut">
               <a:rPr lang="en-US" smtClean="0"/>
               <a:pPr/>
-              <a:t>11/3/2020</a:t>
+              <a:t>11/4/2020</a:t>
             </a:fld>
             <a:endParaRPr lang="en-US"/>
           </a:p>
@@ -2475,7 +2475,7 @@
             <a:fld id="{1D8BD707-D9CF-40AE-B4C6-C98DA3205C09}" type="datetimeFigureOut">
               <a:rPr lang="en-US" smtClean="0"/>
               <a:pPr/>
-              <a:t>11/3/2020</a:t>
+              <a:t>11/4/2020</a:t>
             </a:fld>
             <a:endParaRPr lang="en-US"/>
           </a:p>
@@ -2683,7 +2683,7 @@
             <a:fld id="{1D8BD707-D9CF-40AE-B4C6-C98DA3205C09}" type="datetimeFigureOut">
               <a:rPr lang="en-US" smtClean="0"/>
               <a:pPr/>
-              <a:t>11/3/2020</a:t>
+              <a:t>11/4/2020</a:t>
             </a:fld>
             <a:endParaRPr lang="en-US"/>
           </a:p>
@@ -3429,10 +3429,14 @@
           <a:p>
             <a:r>
               <a:rPr lang="en-US" dirty="0"/>
-              <a:t>Lab is due Nov. 10</a:t>
-            </a:r>
-            <a:r>
-              <a:rPr lang="en-US" baseline="30000" dirty="0"/>
+              <a:t>Lab is due Nov. </a:t>
+            </a:r>
+            <a:r>
+              <a:rPr lang="en-US"/>
+              <a:t>11</a:t>
+            </a:r>
+            <a:r>
+              <a:rPr lang="en-US" baseline="30000"/>
               <a:t>th</a:t>
             </a:r>
             <a:endParaRPr lang="en-US" dirty="0"/>
